--- a/docs/ch10/main.pptx
+++ b/docs/ch10/main.pptx
@@ -6,6 +6,7 @@
   </p:sldMasterIdLst>
   <p:sldIdLst>
     <p:sldId id="256" r:id="rId2"/>
+    <p:sldId id="257" r:id="rId3"/>
   </p:sldIdLst>
   <p:sldSz cx="12192000" cy="6858000"/>
   <p:notesSz cx="6858000" cy="9144000"/>
@@ -104,6 +105,11 @@
       </a:defRPr>
     </a:lvl9pPr>
   </p:defaultTextStyle>
+  <p:extLst>
+    <p:ext uri="{EFAFB233-063F-42B5-8137-9DF3F51BA10A}">
+      <p15:sldGuideLst xmlns:p15="http://schemas.microsoft.com/office/powerpoint/2012/main"/>
+    </p:ext>
+  </p:extLst>
 </p:presentation>
 </file>
 
@@ -254,7 +260,7 @@
           <a:p>
             <a:fld id="{644DE9D8-CAC5-4207-B4B4-B5A76B7DDD48}" type="datetimeFigureOut">
               <a:rPr lang="zh-CN" altLang="en-US" smtClean="0"/>
-              <a:t>2023/8/28</a:t>
+              <a:t>2023/9/11</a:t>
             </a:fld>
             <a:endParaRPr lang="zh-CN" altLang="en-US"/>
           </a:p>
@@ -452,7 +458,7 @@
           <a:p>
             <a:fld id="{644DE9D8-CAC5-4207-B4B4-B5A76B7DDD48}" type="datetimeFigureOut">
               <a:rPr lang="zh-CN" altLang="en-US" smtClean="0"/>
-              <a:t>2023/8/28</a:t>
+              <a:t>2023/9/11</a:t>
             </a:fld>
             <a:endParaRPr lang="zh-CN" altLang="en-US"/>
           </a:p>
@@ -660,7 +666,7 @@
           <a:p>
             <a:fld id="{644DE9D8-CAC5-4207-B4B4-B5A76B7DDD48}" type="datetimeFigureOut">
               <a:rPr lang="zh-CN" altLang="en-US" smtClean="0"/>
-              <a:t>2023/8/28</a:t>
+              <a:t>2023/9/11</a:t>
             </a:fld>
             <a:endParaRPr lang="zh-CN" altLang="en-US"/>
           </a:p>
@@ -858,7 +864,7 @@
           <a:p>
             <a:fld id="{644DE9D8-CAC5-4207-B4B4-B5A76B7DDD48}" type="datetimeFigureOut">
               <a:rPr lang="zh-CN" altLang="en-US" smtClean="0"/>
-              <a:t>2023/8/28</a:t>
+              <a:t>2023/9/11</a:t>
             </a:fld>
             <a:endParaRPr lang="zh-CN" altLang="en-US"/>
           </a:p>
@@ -1133,7 +1139,7 @@
           <a:p>
             <a:fld id="{644DE9D8-CAC5-4207-B4B4-B5A76B7DDD48}" type="datetimeFigureOut">
               <a:rPr lang="zh-CN" altLang="en-US" smtClean="0"/>
-              <a:t>2023/8/28</a:t>
+              <a:t>2023/9/11</a:t>
             </a:fld>
             <a:endParaRPr lang="zh-CN" altLang="en-US"/>
           </a:p>
@@ -1398,7 +1404,7 @@
           <a:p>
             <a:fld id="{644DE9D8-CAC5-4207-B4B4-B5A76B7DDD48}" type="datetimeFigureOut">
               <a:rPr lang="zh-CN" altLang="en-US" smtClean="0"/>
-              <a:t>2023/8/28</a:t>
+              <a:t>2023/9/11</a:t>
             </a:fld>
             <a:endParaRPr lang="zh-CN" altLang="en-US"/>
           </a:p>
@@ -1810,7 +1816,7 @@
           <a:p>
             <a:fld id="{644DE9D8-CAC5-4207-B4B4-B5A76B7DDD48}" type="datetimeFigureOut">
               <a:rPr lang="zh-CN" altLang="en-US" smtClean="0"/>
-              <a:t>2023/8/28</a:t>
+              <a:t>2023/9/11</a:t>
             </a:fld>
             <a:endParaRPr lang="zh-CN" altLang="en-US"/>
           </a:p>
@@ -1951,7 +1957,7 @@
           <a:p>
             <a:fld id="{644DE9D8-CAC5-4207-B4B4-B5A76B7DDD48}" type="datetimeFigureOut">
               <a:rPr lang="zh-CN" altLang="en-US" smtClean="0"/>
-              <a:t>2023/8/28</a:t>
+              <a:t>2023/9/11</a:t>
             </a:fld>
             <a:endParaRPr lang="zh-CN" altLang="en-US"/>
           </a:p>
@@ -2064,7 +2070,7 @@
           <a:p>
             <a:fld id="{644DE9D8-CAC5-4207-B4B4-B5A76B7DDD48}" type="datetimeFigureOut">
               <a:rPr lang="zh-CN" altLang="en-US" smtClean="0"/>
-              <a:t>2023/8/28</a:t>
+              <a:t>2023/9/11</a:t>
             </a:fld>
             <a:endParaRPr lang="zh-CN" altLang="en-US"/>
           </a:p>
@@ -2375,7 +2381,7 @@
           <a:p>
             <a:fld id="{644DE9D8-CAC5-4207-B4B4-B5A76B7DDD48}" type="datetimeFigureOut">
               <a:rPr lang="zh-CN" altLang="en-US" smtClean="0"/>
-              <a:t>2023/8/28</a:t>
+              <a:t>2023/9/11</a:t>
             </a:fld>
             <a:endParaRPr lang="zh-CN" altLang="en-US"/>
           </a:p>
@@ -2663,7 +2669,7 @@
           <a:p>
             <a:fld id="{644DE9D8-CAC5-4207-B4B4-B5A76B7DDD48}" type="datetimeFigureOut">
               <a:rPr lang="zh-CN" altLang="en-US" smtClean="0"/>
-              <a:t>2023/8/28</a:t>
+              <a:t>2023/9/11</a:t>
             </a:fld>
             <a:endParaRPr lang="zh-CN" altLang="en-US"/>
           </a:p>
@@ -2904,7 +2910,7 @@
           <a:p>
             <a:fld id="{644DE9D8-CAC5-4207-B4B4-B5A76B7DDD48}" type="datetimeFigureOut">
               <a:rPr lang="zh-CN" altLang="en-US" smtClean="0"/>
-              <a:t>2023/8/28</a:t>
+              <a:t>2023/9/11</a:t>
             </a:fld>
             <a:endParaRPr lang="zh-CN" altLang="en-US"/>
           </a:p>
@@ -4113,6 +4119,942 @@
 </p:sld>
 </file>
 
+<file path=ppt/slides/slide2.xml><?xml version="1.0" encoding="utf-8"?>
+<p:sld xmlns:a="http://schemas.openxmlformats.org/drawingml/2006/main" xmlns:r="http://schemas.openxmlformats.org/officeDocument/2006/relationships" xmlns:p="http://schemas.openxmlformats.org/presentationml/2006/main">
+  <p:cSld>
+    <p:spTree>
+      <p:nvGrpSpPr>
+        <p:cNvPr id="1" name=""/>
+        <p:cNvGrpSpPr/>
+        <p:nvPr/>
+      </p:nvGrpSpPr>
+      <p:grpSpPr>
+        <a:xfrm>
+          <a:off x="0" y="0"/>
+          <a:ext cx="0" cy="0"/>
+          <a:chOff x="0" y="0"/>
+          <a:chExt cx="0" cy="0"/>
+        </a:xfrm>
+      </p:grpSpPr>
+      <p:sp>
+        <p:nvSpPr>
+          <p:cNvPr id="2" name="矩形: 圆角 4">
+            <a:extLst>
+              <a:ext uri="{FF2B5EF4-FFF2-40B4-BE49-F238E27FC236}">
+                <a16:creationId xmlns:a16="http://schemas.microsoft.com/office/drawing/2014/main" id="{B15EB91A-3D5A-8EB2-A3E4-30F569A507D4}"/>
+              </a:ext>
+            </a:extLst>
+          </p:cNvPr>
+          <p:cNvSpPr/>
+          <p:nvPr/>
+        </p:nvSpPr>
+        <p:spPr>
+          <a:xfrm>
+            <a:off x="4366097" y="1335131"/>
+            <a:ext cx="1440000" cy="720000"/>
+          </a:xfrm>
+          <a:prstGeom prst="roundRect">
+            <a:avLst/>
+          </a:prstGeom>
+          <a:solidFill>
+            <a:schemeClr val="accent4">
+              <a:lumMod val="20000"/>
+              <a:lumOff val="80000"/>
+            </a:schemeClr>
+          </a:solidFill>
+        </p:spPr>
+        <p:style>
+          <a:lnRef idx="2">
+            <a:schemeClr val="accent1">
+              <a:shade val="15000"/>
+            </a:schemeClr>
+          </a:lnRef>
+          <a:fillRef idx="1">
+            <a:schemeClr val="accent1"/>
+          </a:fillRef>
+          <a:effectRef idx="0">
+            <a:schemeClr val="accent1"/>
+          </a:effectRef>
+          <a:fontRef idx="minor">
+            <a:schemeClr val="lt1"/>
+          </a:fontRef>
+        </p:style>
+        <p:txBody>
+          <a:bodyPr rtlCol="0" anchor="ctr"/>
+          <a:lstStyle/>
+          <a:p>
+            <a:pPr algn="ctr"/>
+            <a:r>
+              <a:rPr lang="zh-CN" altLang="en-US" dirty="0">
+                <a:solidFill>
+                  <a:schemeClr val="tx1"/>
+                </a:solidFill>
+                <a:latin typeface="Times New Roman" panose="02020603050405020304" pitchFamily="18" charset="0"/>
+                <a:ea typeface="宋体" panose="02010600030101010101" pitchFamily="2" charset="-122"/>
+                <a:cs typeface="Times New Roman" panose="02020603050405020304" pitchFamily="18" charset="0"/>
+              </a:rPr>
+              <a:t>全局网络</a:t>
+            </a:r>
+          </a:p>
+        </p:txBody>
+      </p:sp>
+      <p:sp>
+        <p:nvSpPr>
+          <p:cNvPr id="3" name="矩形: 圆角 4">
+            <a:extLst>
+              <a:ext uri="{FF2B5EF4-FFF2-40B4-BE49-F238E27FC236}">
+                <a16:creationId xmlns:a16="http://schemas.microsoft.com/office/drawing/2014/main" id="{573C0DFF-4E4D-6A04-0FD1-18152889C3FB}"/>
+              </a:ext>
+            </a:extLst>
+          </p:cNvPr>
+          <p:cNvSpPr/>
+          <p:nvPr/>
+        </p:nvSpPr>
+        <p:spPr>
+          <a:xfrm>
+            <a:off x="2205993" y="2839252"/>
+            <a:ext cx="1440000" cy="720000"/>
+          </a:xfrm>
+          <a:prstGeom prst="roundRect">
+            <a:avLst/>
+          </a:prstGeom>
+          <a:solidFill>
+            <a:schemeClr val="accent1">
+              <a:lumMod val="20000"/>
+              <a:lumOff val="80000"/>
+            </a:schemeClr>
+          </a:solidFill>
+        </p:spPr>
+        <p:style>
+          <a:lnRef idx="2">
+            <a:schemeClr val="accent1">
+              <a:shade val="15000"/>
+            </a:schemeClr>
+          </a:lnRef>
+          <a:fillRef idx="1">
+            <a:schemeClr val="accent1"/>
+          </a:fillRef>
+          <a:effectRef idx="0">
+            <a:schemeClr val="accent1"/>
+          </a:effectRef>
+          <a:fontRef idx="minor">
+            <a:schemeClr val="lt1"/>
+          </a:fontRef>
+        </p:style>
+        <p:txBody>
+          <a:bodyPr rtlCol="0" anchor="ctr"/>
+          <a:lstStyle/>
+          <a:p>
+            <a:pPr algn="ctr"/>
+            <a:r>
+              <a:rPr lang="zh-CN" altLang="en-US" dirty="0">
+                <a:solidFill>
+                  <a:schemeClr val="tx1"/>
+                </a:solidFill>
+                <a:latin typeface="Times New Roman" panose="02020603050405020304" pitchFamily="18" charset="0"/>
+                <a:ea typeface="宋体" panose="02010600030101010101" pitchFamily="2" charset="-122"/>
+                <a:cs typeface="Times New Roman" panose="02020603050405020304" pitchFamily="18" charset="0"/>
+              </a:rPr>
+              <a:t>局部网络</a:t>
+            </a:r>
+            <a:r>
+              <a:rPr lang="en-US" altLang="zh-CN" dirty="0">
+                <a:solidFill>
+                  <a:schemeClr val="tx1"/>
+                </a:solidFill>
+                <a:latin typeface="Times New Roman" panose="02020603050405020304" pitchFamily="18" charset="0"/>
+                <a:ea typeface="宋体" panose="02010600030101010101" pitchFamily="2" charset="-122"/>
+                <a:cs typeface="Times New Roman" panose="02020603050405020304" pitchFamily="18" charset="0"/>
+              </a:rPr>
+              <a:t>1</a:t>
+            </a:r>
+            <a:endParaRPr lang="zh-CN" altLang="en-US" dirty="0">
+              <a:solidFill>
+                <a:schemeClr val="tx1"/>
+              </a:solidFill>
+              <a:latin typeface="Times New Roman" panose="02020603050405020304" pitchFamily="18" charset="0"/>
+              <a:ea typeface="宋体" panose="02010600030101010101" pitchFamily="2" charset="-122"/>
+              <a:cs typeface="Times New Roman" panose="02020603050405020304" pitchFamily="18" charset="0"/>
+            </a:endParaRPr>
+          </a:p>
+        </p:txBody>
+      </p:sp>
+      <p:sp>
+        <p:nvSpPr>
+          <p:cNvPr id="8" name="矩形: 圆角 4">
+            <a:extLst>
+              <a:ext uri="{FF2B5EF4-FFF2-40B4-BE49-F238E27FC236}">
+                <a16:creationId xmlns:a16="http://schemas.microsoft.com/office/drawing/2014/main" id="{1AADD439-4398-8E75-D59B-CB75D12890FF}"/>
+              </a:ext>
+            </a:extLst>
+          </p:cNvPr>
+          <p:cNvSpPr/>
+          <p:nvPr/>
+        </p:nvSpPr>
+        <p:spPr>
+          <a:xfrm>
+            <a:off x="4366097" y="2839252"/>
+            <a:ext cx="1440000" cy="720000"/>
+          </a:xfrm>
+          <a:prstGeom prst="roundRect">
+            <a:avLst/>
+          </a:prstGeom>
+          <a:solidFill>
+            <a:schemeClr val="accent1">
+              <a:lumMod val="20000"/>
+              <a:lumOff val="80000"/>
+            </a:schemeClr>
+          </a:solidFill>
+        </p:spPr>
+        <p:style>
+          <a:lnRef idx="2">
+            <a:schemeClr val="accent1">
+              <a:shade val="15000"/>
+            </a:schemeClr>
+          </a:lnRef>
+          <a:fillRef idx="1">
+            <a:schemeClr val="accent1"/>
+          </a:fillRef>
+          <a:effectRef idx="0">
+            <a:schemeClr val="accent1"/>
+          </a:effectRef>
+          <a:fontRef idx="minor">
+            <a:schemeClr val="lt1"/>
+          </a:fontRef>
+        </p:style>
+        <p:txBody>
+          <a:bodyPr rtlCol="0" anchor="ctr"/>
+          <a:lstStyle/>
+          <a:p>
+            <a:pPr algn="ctr"/>
+            <a:r>
+              <a:rPr lang="zh-CN" altLang="en-US" dirty="0">
+                <a:solidFill>
+                  <a:schemeClr val="tx1"/>
+                </a:solidFill>
+                <a:latin typeface="Times New Roman" panose="02020603050405020304" pitchFamily="18" charset="0"/>
+                <a:ea typeface="宋体" panose="02010600030101010101" pitchFamily="2" charset="-122"/>
+                <a:cs typeface="Times New Roman" panose="02020603050405020304" pitchFamily="18" charset="0"/>
+              </a:rPr>
+              <a:t>局部网络</a:t>
+            </a:r>
+            <a:r>
+              <a:rPr lang="en-US" altLang="zh-CN" dirty="0">
+                <a:solidFill>
+                  <a:schemeClr val="tx1"/>
+                </a:solidFill>
+                <a:latin typeface="Times New Roman" panose="02020603050405020304" pitchFamily="18" charset="0"/>
+                <a:ea typeface="宋体" panose="02010600030101010101" pitchFamily="2" charset="-122"/>
+                <a:cs typeface="Times New Roman" panose="02020603050405020304" pitchFamily="18" charset="0"/>
+              </a:rPr>
+              <a:t>2</a:t>
+            </a:r>
+            <a:endParaRPr lang="zh-CN" altLang="en-US" dirty="0">
+              <a:solidFill>
+                <a:schemeClr val="tx1"/>
+              </a:solidFill>
+              <a:latin typeface="Times New Roman" panose="02020603050405020304" pitchFamily="18" charset="0"/>
+              <a:ea typeface="宋体" panose="02010600030101010101" pitchFamily="2" charset="-122"/>
+              <a:cs typeface="Times New Roman" panose="02020603050405020304" pitchFamily="18" charset="0"/>
+            </a:endParaRPr>
+          </a:p>
+        </p:txBody>
+      </p:sp>
+      <p:sp>
+        <p:nvSpPr>
+          <p:cNvPr id="10" name="矩形: 圆角 4">
+            <a:extLst>
+              <a:ext uri="{FF2B5EF4-FFF2-40B4-BE49-F238E27FC236}">
+                <a16:creationId xmlns:a16="http://schemas.microsoft.com/office/drawing/2014/main" id="{FC1A2078-16D5-CF0F-C80A-070314D11EB8}"/>
+              </a:ext>
+            </a:extLst>
+          </p:cNvPr>
+          <p:cNvSpPr/>
+          <p:nvPr/>
+        </p:nvSpPr>
+        <p:spPr>
+          <a:xfrm>
+            <a:off x="6526201" y="2839252"/>
+            <a:ext cx="1440000" cy="720000"/>
+          </a:xfrm>
+          <a:prstGeom prst="roundRect">
+            <a:avLst/>
+          </a:prstGeom>
+          <a:solidFill>
+            <a:schemeClr val="accent1">
+              <a:lumMod val="20000"/>
+              <a:lumOff val="80000"/>
+            </a:schemeClr>
+          </a:solidFill>
+        </p:spPr>
+        <p:style>
+          <a:lnRef idx="2">
+            <a:schemeClr val="accent1">
+              <a:shade val="15000"/>
+            </a:schemeClr>
+          </a:lnRef>
+          <a:fillRef idx="1">
+            <a:schemeClr val="accent1"/>
+          </a:fillRef>
+          <a:effectRef idx="0">
+            <a:schemeClr val="accent1"/>
+          </a:effectRef>
+          <a:fontRef idx="minor">
+            <a:schemeClr val="lt1"/>
+          </a:fontRef>
+        </p:style>
+        <p:txBody>
+          <a:bodyPr rtlCol="0" anchor="ctr"/>
+          <a:lstStyle/>
+          <a:p>
+            <a:pPr algn="ctr"/>
+            <a:r>
+              <a:rPr lang="zh-CN" altLang="en-US" dirty="0">
+                <a:solidFill>
+                  <a:schemeClr val="tx1"/>
+                </a:solidFill>
+                <a:latin typeface="Times New Roman" panose="02020603050405020304" pitchFamily="18" charset="0"/>
+                <a:ea typeface="宋体" panose="02010600030101010101" pitchFamily="2" charset="-122"/>
+                <a:cs typeface="Times New Roman" panose="02020603050405020304" pitchFamily="18" charset="0"/>
+              </a:rPr>
+              <a:t>局部网络</a:t>
+            </a:r>
+            <a:r>
+              <a:rPr lang="en-US" altLang="zh-CN" dirty="0">
+                <a:solidFill>
+                  <a:schemeClr val="tx1"/>
+                </a:solidFill>
+                <a:latin typeface="Times New Roman" panose="02020603050405020304" pitchFamily="18" charset="0"/>
+                <a:ea typeface="宋体" panose="02010600030101010101" pitchFamily="2" charset="-122"/>
+                <a:cs typeface="Times New Roman" panose="02020603050405020304" pitchFamily="18" charset="0"/>
+              </a:rPr>
+              <a:t>3</a:t>
+            </a:r>
+            <a:endParaRPr lang="zh-CN" altLang="en-US" dirty="0">
+              <a:solidFill>
+                <a:schemeClr val="tx1"/>
+              </a:solidFill>
+              <a:latin typeface="Times New Roman" panose="02020603050405020304" pitchFamily="18" charset="0"/>
+              <a:ea typeface="宋体" panose="02010600030101010101" pitchFamily="2" charset="-122"/>
+              <a:cs typeface="Times New Roman" panose="02020603050405020304" pitchFamily="18" charset="0"/>
+            </a:endParaRPr>
+          </a:p>
+        </p:txBody>
+      </p:sp>
+      <p:sp>
+        <p:nvSpPr>
+          <p:cNvPr id="12" name="矩形: 圆角 4">
+            <a:extLst>
+              <a:ext uri="{FF2B5EF4-FFF2-40B4-BE49-F238E27FC236}">
+                <a16:creationId xmlns:a16="http://schemas.microsoft.com/office/drawing/2014/main" id="{40DE2871-8D22-E199-428D-1C7686621B70}"/>
+              </a:ext>
+            </a:extLst>
+          </p:cNvPr>
+          <p:cNvSpPr/>
+          <p:nvPr/>
+        </p:nvSpPr>
+        <p:spPr>
+          <a:xfrm>
+            <a:off x="2205993" y="4343373"/>
+            <a:ext cx="1440000" cy="720000"/>
+          </a:xfrm>
+          <a:prstGeom prst="roundRect">
+            <a:avLst/>
+          </a:prstGeom>
+          <a:solidFill>
+            <a:schemeClr val="accent6">
+              <a:lumMod val="20000"/>
+              <a:lumOff val="80000"/>
+            </a:schemeClr>
+          </a:solidFill>
+        </p:spPr>
+        <p:style>
+          <a:lnRef idx="2">
+            <a:schemeClr val="accent1">
+              <a:shade val="15000"/>
+            </a:schemeClr>
+          </a:lnRef>
+          <a:fillRef idx="1">
+            <a:schemeClr val="accent1"/>
+          </a:fillRef>
+          <a:effectRef idx="0">
+            <a:schemeClr val="accent1"/>
+          </a:effectRef>
+          <a:fontRef idx="minor">
+            <a:schemeClr val="lt1"/>
+          </a:fontRef>
+        </p:style>
+        <p:txBody>
+          <a:bodyPr rtlCol="0" anchor="ctr"/>
+          <a:lstStyle/>
+          <a:p>
+            <a:pPr algn="ctr"/>
+            <a:r>
+              <a:rPr lang="zh-CN" altLang="en-US" dirty="0">
+                <a:solidFill>
+                  <a:schemeClr val="tx1"/>
+                </a:solidFill>
+                <a:latin typeface="Times New Roman" panose="02020603050405020304" pitchFamily="18" charset="0"/>
+                <a:ea typeface="宋体" panose="02010600030101010101" pitchFamily="2" charset="-122"/>
+                <a:cs typeface="Times New Roman" panose="02020603050405020304" pitchFamily="18" charset="0"/>
+              </a:rPr>
+              <a:t>环境</a:t>
+            </a:r>
+            <a:r>
+              <a:rPr lang="en-US" altLang="zh-CN" dirty="0">
+                <a:solidFill>
+                  <a:schemeClr val="tx1"/>
+                </a:solidFill>
+                <a:latin typeface="Times New Roman" panose="02020603050405020304" pitchFamily="18" charset="0"/>
+                <a:ea typeface="宋体" panose="02010600030101010101" pitchFamily="2" charset="-122"/>
+                <a:cs typeface="Times New Roman" panose="02020603050405020304" pitchFamily="18" charset="0"/>
+              </a:rPr>
+              <a:t>1</a:t>
+            </a:r>
+            <a:endParaRPr lang="zh-CN" altLang="en-US" dirty="0">
+              <a:solidFill>
+                <a:schemeClr val="tx1"/>
+              </a:solidFill>
+              <a:latin typeface="Times New Roman" panose="02020603050405020304" pitchFamily="18" charset="0"/>
+              <a:ea typeface="宋体" panose="02010600030101010101" pitchFamily="2" charset="-122"/>
+              <a:cs typeface="Times New Roman" panose="02020603050405020304" pitchFamily="18" charset="0"/>
+            </a:endParaRPr>
+          </a:p>
+        </p:txBody>
+      </p:sp>
+      <p:sp>
+        <p:nvSpPr>
+          <p:cNvPr id="14" name="矩形: 圆角 4">
+            <a:extLst>
+              <a:ext uri="{FF2B5EF4-FFF2-40B4-BE49-F238E27FC236}">
+                <a16:creationId xmlns:a16="http://schemas.microsoft.com/office/drawing/2014/main" id="{98A67C3B-497C-FB53-0409-E5F7D900630D}"/>
+              </a:ext>
+            </a:extLst>
+          </p:cNvPr>
+          <p:cNvSpPr/>
+          <p:nvPr/>
+        </p:nvSpPr>
+        <p:spPr>
+          <a:xfrm>
+            <a:off x="4366097" y="4343373"/>
+            <a:ext cx="1440000" cy="720000"/>
+          </a:xfrm>
+          <a:prstGeom prst="roundRect">
+            <a:avLst/>
+          </a:prstGeom>
+          <a:solidFill>
+            <a:schemeClr val="accent6">
+              <a:lumMod val="20000"/>
+              <a:lumOff val="80000"/>
+            </a:schemeClr>
+          </a:solidFill>
+        </p:spPr>
+        <p:style>
+          <a:lnRef idx="2">
+            <a:schemeClr val="accent1">
+              <a:shade val="15000"/>
+            </a:schemeClr>
+          </a:lnRef>
+          <a:fillRef idx="1">
+            <a:schemeClr val="accent1"/>
+          </a:fillRef>
+          <a:effectRef idx="0">
+            <a:schemeClr val="accent1"/>
+          </a:effectRef>
+          <a:fontRef idx="minor">
+            <a:schemeClr val="lt1"/>
+          </a:fontRef>
+        </p:style>
+        <p:txBody>
+          <a:bodyPr rtlCol="0" anchor="ctr"/>
+          <a:lstStyle/>
+          <a:p>
+            <a:pPr algn="ctr"/>
+            <a:r>
+              <a:rPr lang="zh-CN" altLang="en-US" dirty="0">
+                <a:solidFill>
+                  <a:schemeClr val="tx1"/>
+                </a:solidFill>
+                <a:latin typeface="Times New Roman" panose="02020603050405020304" pitchFamily="18" charset="0"/>
+                <a:ea typeface="宋体" panose="02010600030101010101" pitchFamily="2" charset="-122"/>
+                <a:cs typeface="Times New Roman" panose="02020603050405020304" pitchFamily="18" charset="0"/>
+              </a:rPr>
+              <a:t>环境</a:t>
+            </a:r>
+            <a:r>
+              <a:rPr lang="en-US" altLang="zh-CN" dirty="0">
+                <a:solidFill>
+                  <a:schemeClr val="tx1"/>
+                </a:solidFill>
+                <a:latin typeface="Times New Roman" panose="02020603050405020304" pitchFamily="18" charset="0"/>
+                <a:ea typeface="宋体" panose="02010600030101010101" pitchFamily="2" charset="-122"/>
+                <a:cs typeface="Times New Roman" panose="02020603050405020304" pitchFamily="18" charset="0"/>
+              </a:rPr>
+              <a:t>2</a:t>
+            </a:r>
+            <a:endParaRPr lang="zh-CN" altLang="en-US" dirty="0">
+              <a:solidFill>
+                <a:schemeClr val="tx1"/>
+              </a:solidFill>
+              <a:latin typeface="Times New Roman" panose="02020603050405020304" pitchFamily="18" charset="0"/>
+              <a:ea typeface="宋体" panose="02010600030101010101" pitchFamily="2" charset="-122"/>
+              <a:cs typeface="Times New Roman" panose="02020603050405020304" pitchFamily="18" charset="0"/>
+            </a:endParaRPr>
+          </a:p>
+        </p:txBody>
+      </p:sp>
+      <p:sp>
+        <p:nvSpPr>
+          <p:cNvPr id="16" name="矩形: 圆角 4">
+            <a:extLst>
+              <a:ext uri="{FF2B5EF4-FFF2-40B4-BE49-F238E27FC236}">
+                <a16:creationId xmlns:a16="http://schemas.microsoft.com/office/drawing/2014/main" id="{64D70F97-0A66-F57A-D6B6-D888E61D62CD}"/>
+              </a:ext>
+            </a:extLst>
+          </p:cNvPr>
+          <p:cNvSpPr/>
+          <p:nvPr/>
+        </p:nvSpPr>
+        <p:spPr>
+          <a:xfrm>
+            <a:off x="6526201" y="4343373"/>
+            <a:ext cx="1440000" cy="720000"/>
+          </a:xfrm>
+          <a:prstGeom prst="roundRect">
+            <a:avLst/>
+          </a:prstGeom>
+          <a:solidFill>
+            <a:schemeClr val="accent6">
+              <a:lumMod val="20000"/>
+              <a:lumOff val="80000"/>
+            </a:schemeClr>
+          </a:solidFill>
+        </p:spPr>
+        <p:style>
+          <a:lnRef idx="2">
+            <a:schemeClr val="accent1">
+              <a:shade val="15000"/>
+            </a:schemeClr>
+          </a:lnRef>
+          <a:fillRef idx="1">
+            <a:schemeClr val="accent1"/>
+          </a:fillRef>
+          <a:effectRef idx="0">
+            <a:schemeClr val="accent1"/>
+          </a:effectRef>
+          <a:fontRef idx="minor">
+            <a:schemeClr val="lt1"/>
+          </a:fontRef>
+        </p:style>
+        <p:txBody>
+          <a:bodyPr rtlCol="0" anchor="ctr"/>
+          <a:lstStyle/>
+          <a:p>
+            <a:pPr algn="ctr"/>
+            <a:r>
+              <a:rPr lang="zh-CN" altLang="en-US" dirty="0">
+                <a:solidFill>
+                  <a:schemeClr val="tx1"/>
+                </a:solidFill>
+                <a:latin typeface="Times New Roman" panose="02020603050405020304" pitchFamily="18" charset="0"/>
+                <a:ea typeface="宋体" panose="02010600030101010101" pitchFamily="2" charset="-122"/>
+                <a:cs typeface="Times New Roman" panose="02020603050405020304" pitchFamily="18" charset="0"/>
+              </a:rPr>
+              <a:t>环境</a:t>
+            </a:r>
+            <a:r>
+              <a:rPr lang="en-US" altLang="zh-CN" dirty="0">
+                <a:solidFill>
+                  <a:schemeClr val="tx1"/>
+                </a:solidFill>
+                <a:latin typeface="Times New Roman" panose="02020603050405020304" pitchFamily="18" charset="0"/>
+                <a:ea typeface="宋体" panose="02010600030101010101" pitchFamily="2" charset="-122"/>
+                <a:cs typeface="Times New Roman" panose="02020603050405020304" pitchFamily="18" charset="0"/>
+              </a:rPr>
+              <a:t>3</a:t>
+            </a:r>
+            <a:endParaRPr lang="zh-CN" altLang="en-US" dirty="0">
+              <a:solidFill>
+                <a:schemeClr val="tx1"/>
+              </a:solidFill>
+              <a:latin typeface="Times New Roman" panose="02020603050405020304" pitchFamily="18" charset="0"/>
+              <a:ea typeface="宋体" panose="02010600030101010101" pitchFamily="2" charset="-122"/>
+              <a:cs typeface="Times New Roman" panose="02020603050405020304" pitchFamily="18" charset="0"/>
+            </a:endParaRPr>
+          </a:p>
+        </p:txBody>
+      </p:sp>
+      <p:cxnSp>
+        <p:nvCxnSpPr>
+          <p:cNvPr id="20" name="直线箭头连接符 19">
+            <a:extLst>
+              <a:ext uri="{FF2B5EF4-FFF2-40B4-BE49-F238E27FC236}">
+                <a16:creationId xmlns:a16="http://schemas.microsoft.com/office/drawing/2014/main" id="{EC18759B-0B26-4E05-6746-FECED8132C1C}"/>
+              </a:ext>
+            </a:extLst>
+          </p:cNvPr>
+          <p:cNvCxnSpPr>
+            <a:stCxn id="3" idx="2"/>
+            <a:endCxn id="12" idx="0"/>
+          </p:cNvCxnSpPr>
+          <p:nvPr/>
+        </p:nvCxnSpPr>
+        <p:spPr>
+          <a:xfrm>
+            <a:off x="2925993" y="3559252"/>
+            <a:ext cx="0" cy="784121"/>
+          </a:xfrm>
+          <a:prstGeom prst="straightConnector1">
+            <a:avLst/>
+          </a:prstGeom>
+          <a:ln w="19050">
+            <a:solidFill>
+              <a:schemeClr val="tx1"/>
+            </a:solidFill>
+            <a:headEnd type="triangle"/>
+            <a:tailEnd type="stealth"/>
+          </a:ln>
+        </p:spPr>
+        <p:style>
+          <a:lnRef idx="1">
+            <a:schemeClr val="accent1"/>
+          </a:lnRef>
+          <a:fillRef idx="0">
+            <a:schemeClr val="accent1"/>
+          </a:fillRef>
+          <a:effectRef idx="0">
+            <a:schemeClr val="accent1"/>
+          </a:effectRef>
+          <a:fontRef idx="minor">
+            <a:schemeClr val="tx1"/>
+          </a:fontRef>
+        </p:style>
+      </p:cxnSp>
+      <p:cxnSp>
+        <p:nvCxnSpPr>
+          <p:cNvPr id="23" name="直线箭头连接符 22">
+            <a:extLst>
+              <a:ext uri="{FF2B5EF4-FFF2-40B4-BE49-F238E27FC236}">
+                <a16:creationId xmlns:a16="http://schemas.microsoft.com/office/drawing/2014/main" id="{DF90DE14-A999-60AA-2C36-E10AC638E5F6}"/>
+              </a:ext>
+            </a:extLst>
+          </p:cNvPr>
+          <p:cNvCxnSpPr>
+            <a:stCxn id="8" idx="2"/>
+            <a:endCxn id="14" idx="0"/>
+          </p:cNvCxnSpPr>
+          <p:nvPr/>
+        </p:nvCxnSpPr>
+        <p:spPr>
+          <a:xfrm>
+            <a:off x="5086097" y="3559252"/>
+            <a:ext cx="0" cy="784121"/>
+          </a:xfrm>
+          <a:prstGeom prst="straightConnector1">
+            <a:avLst/>
+          </a:prstGeom>
+          <a:ln w="19050">
+            <a:solidFill>
+              <a:schemeClr val="tx1"/>
+            </a:solidFill>
+            <a:headEnd type="triangle"/>
+            <a:tailEnd type="stealth"/>
+          </a:ln>
+        </p:spPr>
+        <p:style>
+          <a:lnRef idx="1">
+            <a:schemeClr val="accent1"/>
+          </a:lnRef>
+          <a:fillRef idx="0">
+            <a:schemeClr val="accent1"/>
+          </a:fillRef>
+          <a:effectRef idx="0">
+            <a:schemeClr val="accent1"/>
+          </a:effectRef>
+          <a:fontRef idx="minor">
+            <a:schemeClr val="tx1"/>
+          </a:fontRef>
+        </p:style>
+      </p:cxnSp>
+      <p:cxnSp>
+        <p:nvCxnSpPr>
+          <p:cNvPr id="25" name="直线箭头连接符 24">
+            <a:extLst>
+              <a:ext uri="{FF2B5EF4-FFF2-40B4-BE49-F238E27FC236}">
+                <a16:creationId xmlns:a16="http://schemas.microsoft.com/office/drawing/2014/main" id="{452414C6-2B5A-D059-CF0B-41F3B4D5E727}"/>
+              </a:ext>
+            </a:extLst>
+          </p:cNvPr>
+          <p:cNvCxnSpPr>
+            <a:stCxn id="2" idx="2"/>
+            <a:endCxn id="3" idx="0"/>
+          </p:cNvCxnSpPr>
+          <p:nvPr/>
+        </p:nvCxnSpPr>
+        <p:spPr>
+          <a:xfrm flipH="1">
+            <a:off x="2925993" y="2055131"/>
+            <a:ext cx="2160104" cy="784121"/>
+          </a:xfrm>
+          <a:prstGeom prst="straightConnector1">
+            <a:avLst/>
+          </a:prstGeom>
+          <a:ln w="19050">
+            <a:solidFill>
+              <a:schemeClr val="tx1"/>
+            </a:solidFill>
+            <a:headEnd type="triangle"/>
+            <a:tailEnd type="stealth"/>
+          </a:ln>
+        </p:spPr>
+        <p:style>
+          <a:lnRef idx="1">
+            <a:schemeClr val="accent1"/>
+          </a:lnRef>
+          <a:fillRef idx="0">
+            <a:schemeClr val="accent1"/>
+          </a:fillRef>
+          <a:effectRef idx="0">
+            <a:schemeClr val="accent1"/>
+          </a:effectRef>
+          <a:fontRef idx="minor">
+            <a:schemeClr val="tx1"/>
+          </a:fontRef>
+        </p:style>
+      </p:cxnSp>
+      <p:cxnSp>
+        <p:nvCxnSpPr>
+          <p:cNvPr id="27" name="直线箭头连接符 26">
+            <a:extLst>
+              <a:ext uri="{FF2B5EF4-FFF2-40B4-BE49-F238E27FC236}">
+                <a16:creationId xmlns:a16="http://schemas.microsoft.com/office/drawing/2014/main" id="{BFF73045-E862-4602-1993-74C21427CD58}"/>
+              </a:ext>
+            </a:extLst>
+          </p:cNvPr>
+          <p:cNvCxnSpPr>
+            <a:stCxn id="10" idx="2"/>
+            <a:endCxn id="16" idx="0"/>
+          </p:cNvCxnSpPr>
+          <p:nvPr/>
+        </p:nvCxnSpPr>
+        <p:spPr>
+          <a:xfrm>
+            <a:off x="7246201" y="3559252"/>
+            <a:ext cx="0" cy="784121"/>
+          </a:xfrm>
+          <a:prstGeom prst="straightConnector1">
+            <a:avLst/>
+          </a:prstGeom>
+          <a:ln w="19050">
+            <a:solidFill>
+              <a:schemeClr val="tx1"/>
+            </a:solidFill>
+            <a:headEnd type="triangle"/>
+            <a:tailEnd type="stealth"/>
+          </a:ln>
+        </p:spPr>
+        <p:style>
+          <a:lnRef idx="1">
+            <a:schemeClr val="accent1"/>
+          </a:lnRef>
+          <a:fillRef idx="0">
+            <a:schemeClr val="accent1"/>
+          </a:fillRef>
+          <a:effectRef idx="0">
+            <a:schemeClr val="accent1"/>
+          </a:effectRef>
+          <a:fontRef idx="minor">
+            <a:schemeClr val="tx1"/>
+          </a:fontRef>
+        </p:style>
+      </p:cxnSp>
+      <p:cxnSp>
+        <p:nvCxnSpPr>
+          <p:cNvPr id="34" name="直线箭头连接符 33">
+            <a:extLst>
+              <a:ext uri="{FF2B5EF4-FFF2-40B4-BE49-F238E27FC236}">
+                <a16:creationId xmlns:a16="http://schemas.microsoft.com/office/drawing/2014/main" id="{D0E3CCEA-1F22-D53A-A861-D0DCEC089434}"/>
+              </a:ext>
+            </a:extLst>
+          </p:cNvPr>
+          <p:cNvCxnSpPr>
+            <a:stCxn id="2" idx="2"/>
+            <a:endCxn id="8" idx="0"/>
+          </p:cNvCxnSpPr>
+          <p:nvPr/>
+        </p:nvCxnSpPr>
+        <p:spPr>
+          <a:xfrm>
+            <a:off x="5086097" y="2055131"/>
+            <a:ext cx="0" cy="784121"/>
+          </a:xfrm>
+          <a:prstGeom prst="straightConnector1">
+            <a:avLst/>
+          </a:prstGeom>
+          <a:ln w="19050">
+            <a:solidFill>
+              <a:schemeClr val="tx1"/>
+            </a:solidFill>
+            <a:headEnd type="triangle"/>
+            <a:tailEnd type="stealth"/>
+          </a:ln>
+        </p:spPr>
+        <p:style>
+          <a:lnRef idx="1">
+            <a:schemeClr val="accent1"/>
+          </a:lnRef>
+          <a:fillRef idx="0">
+            <a:schemeClr val="accent1"/>
+          </a:fillRef>
+          <a:effectRef idx="0">
+            <a:schemeClr val="accent1"/>
+          </a:effectRef>
+          <a:fontRef idx="minor">
+            <a:schemeClr val="tx1"/>
+          </a:fontRef>
+        </p:style>
+      </p:cxnSp>
+      <p:cxnSp>
+        <p:nvCxnSpPr>
+          <p:cNvPr id="36" name="直线箭头连接符 35">
+            <a:extLst>
+              <a:ext uri="{FF2B5EF4-FFF2-40B4-BE49-F238E27FC236}">
+                <a16:creationId xmlns:a16="http://schemas.microsoft.com/office/drawing/2014/main" id="{05B0E833-79FF-8B56-518D-636DDDAB0EEB}"/>
+              </a:ext>
+            </a:extLst>
+          </p:cNvPr>
+          <p:cNvCxnSpPr>
+            <a:stCxn id="2" idx="2"/>
+            <a:endCxn id="10" idx="0"/>
+          </p:cNvCxnSpPr>
+          <p:nvPr/>
+        </p:nvCxnSpPr>
+        <p:spPr>
+          <a:xfrm>
+            <a:off x="5086097" y="2055131"/>
+            <a:ext cx="2160104" cy="784121"/>
+          </a:xfrm>
+          <a:prstGeom prst="straightConnector1">
+            <a:avLst/>
+          </a:prstGeom>
+          <a:ln w="19050">
+            <a:solidFill>
+              <a:schemeClr val="tx1"/>
+            </a:solidFill>
+            <a:headEnd type="triangle"/>
+            <a:tailEnd type="stealth"/>
+          </a:ln>
+        </p:spPr>
+        <p:style>
+          <a:lnRef idx="1">
+            <a:schemeClr val="accent1"/>
+          </a:lnRef>
+          <a:fillRef idx="0">
+            <a:schemeClr val="accent1"/>
+          </a:fillRef>
+          <a:effectRef idx="0">
+            <a:schemeClr val="accent1"/>
+          </a:effectRef>
+          <a:fontRef idx="minor">
+            <a:schemeClr val="tx1"/>
+          </a:fontRef>
+        </p:style>
+      </p:cxnSp>
+      <p:sp>
+        <p:nvSpPr>
+          <p:cNvPr id="37" name="文本框 36">
+            <a:extLst>
+              <a:ext uri="{FF2B5EF4-FFF2-40B4-BE49-F238E27FC236}">
+                <a16:creationId xmlns:a16="http://schemas.microsoft.com/office/drawing/2014/main" id="{4EE82605-99AA-6504-5C8D-6A03ACE8D104}"/>
+              </a:ext>
+            </a:extLst>
+          </p:cNvPr>
+          <p:cNvSpPr txBox="1"/>
+          <p:nvPr/>
+        </p:nvSpPr>
+        <p:spPr>
+          <a:xfrm>
+            <a:off x="8298309" y="3766646"/>
+            <a:ext cx="1107996" cy="369332"/>
+          </a:xfrm>
+          <a:prstGeom prst="rect">
+            <a:avLst/>
+          </a:prstGeom>
+          <a:noFill/>
+        </p:spPr>
+        <p:txBody>
+          <a:bodyPr wrap="none" rtlCol="0">
+            <a:spAutoFit/>
+          </a:bodyPr>
+          <a:lstStyle/>
+          <a:p>
+            <a:r>
+              <a:rPr kumimoji="1" lang="zh-CN" altLang="en-US" dirty="0">
+                <a:solidFill>
+                  <a:srgbClr val="FF0000"/>
+                </a:solidFill>
+                <a:latin typeface="SimSun" panose="02010600030101010101" pitchFamily="2" charset="-122"/>
+                <a:ea typeface="SimSun" panose="02010600030101010101" pitchFamily="2" charset="-122"/>
+              </a:rPr>
+              <a:t>交互更新</a:t>
+            </a:r>
+          </a:p>
+        </p:txBody>
+      </p:sp>
+      <p:sp>
+        <p:nvSpPr>
+          <p:cNvPr id="38" name="文本框 37">
+            <a:extLst>
+              <a:ext uri="{FF2B5EF4-FFF2-40B4-BE49-F238E27FC236}">
+                <a16:creationId xmlns:a16="http://schemas.microsoft.com/office/drawing/2014/main" id="{E241520F-3B5F-66A9-2B51-48AF5123B3C8}"/>
+              </a:ext>
+            </a:extLst>
+          </p:cNvPr>
+          <p:cNvSpPr txBox="1"/>
+          <p:nvPr/>
+        </p:nvSpPr>
+        <p:spPr>
+          <a:xfrm>
+            <a:off x="8298309" y="2262525"/>
+            <a:ext cx="1107996" cy="369332"/>
+          </a:xfrm>
+          <a:prstGeom prst="rect">
+            <a:avLst/>
+          </a:prstGeom>
+          <a:noFill/>
+        </p:spPr>
+        <p:txBody>
+          <a:bodyPr wrap="none" rtlCol="0">
+            <a:spAutoFit/>
+          </a:bodyPr>
+          <a:lstStyle/>
+          <a:p>
+            <a:r>
+              <a:rPr kumimoji="1" lang="zh-CN" altLang="en-US" dirty="0">
+                <a:solidFill>
+                  <a:srgbClr val="FF0000"/>
+                </a:solidFill>
+                <a:latin typeface="SimSun" panose="02010600030101010101" pitchFamily="2" charset="-122"/>
+                <a:ea typeface="SimSun" panose="02010600030101010101" pitchFamily="2" charset="-122"/>
+              </a:rPr>
+              <a:t>参数共享</a:t>
+            </a:r>
+          </a:p>
+        </p:txBody>
+      </p:sp>
+    </p:spTree>
+    <p:extLst>
+      <p:ext uri="{BB962C8B-B14F-4D97-AF65-F5344CB8AC3E}">
+        <p14:creationId xmlns:p14="http://schemas.microsoft.com/office/powerpoint/2010/main" val="3655836461"/>
+      </p:ext>
+    </p:extLst>
+  </p:cSld>
+  <p:clrMapOvr>
+    <a:masterClrMapping/>
+  </p:clrMapOvr>
+</p:sld>
+</file>
+
 <file path=ppt/theme/theme1.xml><?xml version="1.0" encoding="utf-8"?>
 <a:theme xmlns:a="http://schemas.openxmlformats.org/drawingml/2006/main" name="Office 主题​​">
   <a:themeElements>
